--- a/TeXFiles/Figs/FigChainKG.pptx
+++ b/TeXFiles/Figs/FigChainKG.pptx
@@ -10,7 +10,7 @@
   <p:sldIdLst>
     <p:sldId id="256" r:id="rId2"/>
   </p:sldIdLst>
-  <p:sldSz cx="9144000" cy="6858000" type="screen4x3"/>
+  <p:sldSz cx="9144000" cy="6121400"/>
   <p:notesSz cx="6858000" cy="9144000"/>
   <p:defaultTextStyle>
     <a:defPPr>
@@ -192,7 +192,7 @@
           <a:p>
             <a:fld id="{6D5BC30A-09C8-479C-BF38-9DEB0F1B06F1}" type="datetimeFigureOut">
               <a:rPr lang="en-GB" smtClean="0"/>
-              <a:t>19/08/2015</a:t>
+              <a:t>20/08/2015</a:t>
             </a:fld>
             <a:endParaRPr lang="en-GB"/>
           </a:p>
@@ -210,8 +210,8 @@
         </p:nvSpPr>
         <p:spPr>
           <a:xfrm>
-            <a:off x="1143000" y="685800"/>
-            <a:ext cx="4572000" cy="3429000"/>
+            <a:off x="868363" y="685800"/>
+            <a:ext cx="5121275" cy="3429000"/>
           </a:xfrm>
           <a:prstGeom prst="rect">
             <a:avLst/>
@@ -487,7 +487,12 @@
             <p:ph type="sldImg"/>
           </p:nvPr>
         </p:nvSpPr>
-        <p:spPr/>
+        <p:spPr>
+          <a:xfrm>
+            <a:off x="868363" y="685800"/>
+            <a:ext cx="5121275" cy="3429000"/>
+          </a:xfrm>
+        </p:spPr>
       </p:sp>
       <p:sp>
         <p:nvSpPr>
@@ -573,8 +578,8 @@
         </p:nvSpPr>
         <p:spPr>
           <a:xfrm>
-            <a:off x="685800" y="2130425"/>
-            <a:ext cx="7772400" cy="1470025"/>
+            <a:off x="685800" y="1901602"/>
+            <a:ext cx="7772400" cy="1312133"/>
           </a:xfrm>
         </p:spPr>
         <p:txBody>
@@ -601,8 +606,8 @@
         </p:nvSpPr>
         <p:spPr>
           <a:xfrm>
-            <a:off x="1371600" y="3886200"/>
-            <a:ext cx="6400800" cy="1752600"/>
+            <a:off x="1371600" y="3468793"/>
+            <a:ext cx="6400800" cy="1564358"/>
           </a:xfrm>
         </p:spPr>
         <p:txBody>
@@ -725,7 +730,7 @@
           <a:p>
             <a:fld id="{968D63B1-CAD2-4739-8FC5-501D0C90E3C3}" type="datetimeFigureOut">
               <a:rPr lang="en-GB" smtClean="0"/>
-              <a:t>19/08/2015</a:t>
+              <a:t>20/08/2015</a:t>
             </a:fld>
             <a:endParaRPr lang="en-GB"/>
           </a:p>
@@ -895,7 +900,7 @@
           <a:p>
             <a:fld id="{968D63B1-CAD2-4739-8FC5-501D0C90E3C3}" type="datetimeFigureOut">
               <a:rPr lang="en-GB" smtClean="0"/>
-              <a:t>19/08/2015</a:t>
+              <a:t>20/08/2015</a:t>
             </a:fld>
             <a:endParaRPr lang="en-GB"/>
           </a:p>
@@ -985,8 +990,8 @@
         </p:nvSpPr>
         <p:spPr>
           <a:xfrm>
-            <a:off x="6629400" y="274638"/>
-            <a:ext cx="2057400" cy="5851525"/>
+            <a:off x="6629400" y="245140"/>
+            <a:ext cx="2057400" cy="5223028"/>
           </a:xfrm>
         </p:spPr>
         <p:txBody>
@@ -1013,8 +1018,8 @@
         </p:nvSpPr>
         <p:spPr>
           <a:xfrm>
-            <a:off x="457200" y="274638"/>
-            <a:ext cx="6019800" cy="5851525"/>
+            <a:off x="457200" y="245140"/>
+            <a:ext cx="6019800" cy="5223028"/>
           </a:xfrm>
         </p:spPr>
         <p:txBody>
@@ -1075,7 +1080,7 @@
           <a:p>
             <a:fld id="{968D63B1-CAD2-4739-8FC5-501D0C90E3C3}" type="datetimeFigureOut">
               <a:rPr lang="en-GB" smtClean="0"/>
-              <a:t>19/08/2015</a:t>
+              <a:t>20/08/2015</a:t>
             </a:fld>
             <a:endParaRPr lang="en-GB"/>
           </a:p>
@@ -1245,7 +1250,7 @@
           <a:p>
             <a:fld id="{968D63B1-CAD2-4739-8FC5-501D0C90E3C3}" type="datetimeFigureOut">
               <a:rPr lang="en-GB" smtClean="0"/>
-              <a:t>19/08/2015</a:t>
+              <a:t>20/08/2015</a:t>
             </a:fld>
             <a:endParaRPr lang="en-GB"/>
           </a:p>
@@ -1335,8 +1340,8 @@
         </p:nvSpPr>
         <p:spPr>
           <a:xfrm>
-            <a:off x="722313" y="4406900"/>
-            <a:ext cx="7772400" cy="1362075"/>
+            <a:off x="722313" y="3933567"/>
+            <a:ext cx="7772400" cy="1215778"/>
           </a:xfrm>
         </p:spPr>
         <p:txBody>
@@ -1367,8 +1372,8 @@
         </p:nvSpPr>
         <p:spPr>
           <a:xfrm>
-            <a:off x="722313" y="2906713"/>
-            <a:ext cx="7772400" cy="1500187"/>
+            <a:off x="722313" y="2594511"/>
+            <a:ext cx="7772400" cy="1339056"/>
           </a:xfrm>
         </p:spPr>
         <p:txBody>
@@ -1491,7 +1496,7 @@
           <a:p>
             <a:fld id="{968D63B1-CAD2-4739-8FC5-501D0C90E3C3}" type="datetimeFigureOut">
               <a:rPr lang="en-GB" smtClean="0"/>
-              <a:t>19/08/2015</a:t>
+              <a:t>20/08/2015</a:t>
             </a:fld>
             <a:endParaRPr lang="en-GB"/>
           </a:p>
@@ -1604,8 +1609,8 @@
         </p:nvSpPr>
         <p:spPr>
           <a:xfrm>
-            <a:off x="457200" y="1600200"/>
-            <a:ext cx="4038600" cy="4525963"/>
+            <a:off x="457200" y="1428327"/>
+            <a:ext cx="4038600" cy="4039841"/>
           </a:xfrm>
         </p:spPr>
         <p:txBody>
@@ -1689,8 +1694,8 @@
         </p:nvSpPr>
         <p:spPr>
           <a:xfrm>
-            <a:off x="4648200" y="1600200"/>
-            <a:ext cx="4038600" cy="4525963"/>
+            <a:off x="4648200" y="1428327"/>
+            <a:ext cx="4038600" cy="4039841"/>
           </a:xfrm>
         </p:spPr>
         <p:txBody>
@@ -1779,7 +1784,7 @@
           <a:p>
             <a:fld id="{968D63B1-CAD2-4739-8FC5-501D0C90E3C3}" type="datetimeFigureOut">
               <a:rPr lang="en-GB" smtClean="0"/>
-              <a:t>19/08/2015</a:t>
+              <a:t>20/08/2015</a:t>
             </a:fld>
             <a:endParaRPr lang="en-GB"/>
           </a:p>
@@ -1896,8 +1901,8 @@
         </p:nvSpPr>
         <p:spPr>
           <a:xfrm>
-            <a:off x="457200" y="1535113"/>
-            <a:ext cx="4040188" cy="639762"/>
+            <a:off x="457200" y="1370230"/>
+            <a:ext cx="4040188" cy="571047"/>
           </a:xfrm>
         </p:spPr>
         <p:txBody>
@@ -1961,8 +1966,8 @@
         </p:nvSpPr>
         <p:spPr>
           <a:xfrm>
-            <a:off x="457200" y="2174875"/>
-            <a:ext cx="4040188" cy="3951288"/>
+            <a:off x="457200" y="1941278"/>
+            <a:ext cx="4040188" cy="3526890"/>
           </a:xfrm>
         </p:spPr>
         <p:txBody>
@@ -2046,8 +2051,8 @@
         </p:nvSpPr>
         <p:spPr>
           <a:xfrm>
-            <a:off x="4645025" y="1535113"/>
-            <a:ext cx="4041775" cy="639762"/>
+            <a:off x="4645026" y="1370230"/>
+            <a:ext cx="4041775" cy="571047"/>
           </a:xfrm>
         </p:spPr>
         <p:txBody>
@@ -2111,8 +2116,8 @@
         </p:nvSpPr>
         <p:spPr>
           <a:xfrm>
-            <a:off x="4645025" y="2174875"/>
-            <a:ext cx="4041775" cy="3951288"/>
+            <a:off x="4645026" y="1941278"/>
+            <a:ext cx="4041775" cy="3526890"/>
           </a:xfrm>
         </p:spPr>
         <p:txBody>
@@ -2201,7 +2206,7 @@
           <a:p>
             <a:fld id="{968D63B1-CAD2-4739-8FC5-501D0C90E3C3}" type="datetimeFigureOut">
               <a:rPr lang="en-GB" smtClean="0"/>
-              <a:t>19/08/2015</a:t>
+              <a:t>20/08/2015</a:t>
             </a:fld>
             <a:endParaRPr lang="en-GB"/>
           </a:p>
@@ -2319,7 +2324,7 @@
           <a:p>
             <a:fld id="{968D63B1-CAD2-4739-8FC5-501D0C90E3C3}" type="datetimeFigureOut">
               <a:rPr lang="en-GB" smtClean="0"/>
-              <a:t>19/08/2015</a:t>
+              <a:t>20/08/2015</a:t>
             </a:fld>
             <a:endParaRPr lang="en-GB"/>
           </a:p>
@@ -2414,7 +2419,7 @@
           <a:p>
             <a:fld id="{968D63B1-CAD2-4739-8FC5-501D0C90E3C3}" type="datetimeFigureOut">
               <a:rPr lang="en-GB" smtClean="0"/>
-              <a:t>19/08/2015</a:t>
+              <a:t>20/08/2015</a:t>
             </a:fld>
             <a:endParaRPr lang="en-GB"/>
           </a:p>
@@ -2504,8 +2509,8 @@
         </p:nvSpPr>
         <p:spPr>
           <a:xfrm>
-            <a:off x="457200" y="273050"/>
-            <a:ext cx="3008313" cy="1162050"/>
+            <a:off x="457201" y="243723"/>
+            <a:ext cx="3008313" cy="1037237"/>
           </a:xfrm>
         </p:spPr>
         <p:txBody>
@@ -2536,8 +2541,8 @@
         </p:nvSpPr>
         <p:spPr>
           <a:xfrm>
-            <a:off x="3575050" y="273050"/>
-            <a:ext cx="5111750" cy="5853113"/>
+            <a:off x="3575050" y="243723"/>
+            <a:ext cx="5111750" cy="5224445"/>
           </a:xfrm>
         </p:spPr>
         <p:txBody>
@@ -2621,8 +2626,8 @@
         </p:nvSpPr>
         <p:spPr>
           <a:xfrm>
-            <a:off x="457200" y="1435100"/>
-            <a:ext cx="3008313" cy="4691063"/>
+            <a:off x="457201" y="1280960"/>
+            <a:ext cx="3008313" cy="4187208"/>
           </a:xfrm>
         </p:spPr>
         <p:txBody>
@@ -2691,7 +2696,7 @@
           <a:p>
             <a:fld id="{968D63B1-CAD2-4739-8FC5-501D0C90E3C3}" type="datetimeFigureOut">
               <a:rPr lang="en-GB" smtClean="0"/>
-              <a:t>19/08/2015</a:t>
+              <a:t>20/08/2015</a:t>
             </a:fld>
             <a:endParaRPr lang="en-GB"/>
           </a:p>
@@ -2781,8 +2786,8 @@
         </p:nvSpPr>
         <p:spPr>
           <a:xfrm>
-            <a:off x="1792288" y="4800600"/>
-            <a:ext cx="5486400" cy="566738"/>
+            <a:off x="1792288" y="4284980"/>
+            <a:ext cx="5486400" cy="505866"/>
           </a:xfrm>
         </p:spPr>
         <p:txBody>
@@ -2813,8 +2818,8 @@
         </p:nvSpPr>
         <p:spPr>
           <a:xfrm>
-            <a:off x="1792288" y="612775"/>
-            <a:ext cx="5486400" cy="4114800"/>
+            <a:off x="1792288" y="546958"/>
+            <a:ext cx="5486400" cy="3672840"/>
           </a:xfrm>
         </p:spPr>
         <p:txBody>
@@ -2874,8 +2879,8 @@
         </p:nvSpPr>
         <p:spPr>
           <a:xfrm>
-            <a:off x="1792288" y="5367338"/>
-            <a:ext cx="5486400" cy="804862"/>
+            <a:off x="1792288" y="4790846"/>
+            <a:ext cx="5486400" cy="718414"/>
           </a:xfrm>
         </p:spPr>
         <p:txBody>
@@ -2944,7 +2949,7 @@
           <a:p>
             <a:fld id="{968D63B1-CAD2-4739-8FC5-501D0C90E3C3}" type="datetimeFigureOut">
               <a:rPr lang="en-GB" smtClean="0"/>
-              <a:t>19/08/2015</a:t>
+              <a:t>20/08/2015</a:t>
             </a:fld>
             <a:endParaRPr lang="en-GB"/>
           </a:p>
@@ -3039,8 +3044,8 @@
         </p:nvSpPr>
         <p:spPr>
           <a:xfrm>
-            <a:off x="457200" y="274638"/>
-            <a:ext cx="8229600" cy="1143000"/>
+            <a:off x="457200" y="245140"/>
+            <a:ext cx="8229600" cy="1020233"/>
           </a:xfrm>
           <a:prstGeom prst="rect">
             <a:avLst/>
@@ -3072,8 +3077,8 @@
         </p:nvSpPr>
         <p:spPr>
           <a:xfrm>
-            <a:off x="457200" y="1600200"/>
-            <a:ext cx="8229600" cy="4525963"/>
+            <a:off x="457200" y="1428327"/>
+            <a:ext cx="8229600" cy="4039841"/>
           </a:xfrm>
           <a:prstGeom prst="rect">
             <a:avLst/>
@@ -3134,8 +3139,8 @@
         </p:nvSpPr>
         <p:spPr>
           <a:xfrm>
-            <a:off x="457200" y="6356350"/>
-            <a:ext cx="2133600" cy="365125"/>
+            <a:off x="457200" y="5673631"/>
+            <a:ext cx="2133600" cy="325908"/>
           </a:xfrm>
           <a:prstGeom prst="rect">
             <a:avLst/>
@@ -3157,7 +3162,7 @@
           <a:p>
             <a:fld id="{968D63B1-CAD2-4739-8FC5-501D0C90E3C3}" type="datetimeFigureOut">
               <a:rPr lang="en-GB" smtClean="0"/>
-              <a:t>19/08/2015</a:t>
+              <a:t>20/08/2015</a:t>
             </a:fld>
             <a:endParaRPr lang="en-GB"/>
           </a:p>
@@ -3175,8 +3180,8 @@
         </p:nvSpPr>
         <p:spPr>
           <a:xfrm>
-            <a:off x="3124200" y="6356350"/>
-            <a:ext cx="2895600" cy="365125"/>
+            <a:off x="3124200" y="5673631"/>
+            <a:ext cx="2895600" cy="325908"/>
           </a:xfrm>
           <a:prstGeom prst="rect">
             <a:avLst/>
@@ -3212,8 +3217,8 @@
         </p:nvSpPr>
         <p:spPr>
           <a:xfrm>
-            <a:off x="6553200" y="6356350"/>
-            <a:ext cx="2133600" cy="365125"/>
+            <a:off x="6553200" y="5673631"/>
+            <a:ext cx="2133600" cy="325908"/>
           </a:xfrm>
           <a:prstGeom prst="rect">
             <a:avLst/>
@@ -3540,8 +3545,8 @@
         </p:nvSpPr>
         <p:spPr>
           <a:xfrm>
-            <a:off x="4649060" y="152636"/>
-            <a:ext cx="4176464" cy="2664296"/>
+            <a:off x="4649060" y="136242"/>
+            <a:ext cx="4176464" cy="2378131"/>
           </a:xfrm>
           <a:prstGeom prst="rect">
             <a:avLst/>
@@ -3586,7 +3591,7 @@
         </p:nvSpPr>
         <p:spPr>
           <a:xfrm>
-            <a:off x="2912388" y="5906279"/>
+            <a:off x="2699792" y="5487764"/>
             <a:ext cx="4624526" cy="584775"/>
           </a:xfrm>
           <a:prstGeom prst="rect">
@@ -3631,8 +3636,8 @@
         </p:blipFill>
         <p:spPr bwMode="auto">
           <a:xfrm rot="16200000">
-            <a:off x="58212" y="2963671"/>
-            <a:ext cx="456911" cy="592292"/>
+            <a:off x="82750" y="2312964"/>
+            <a:ext cx="407835" cy="592292"/>
           </a:xfrm>
           <a:prstGeom prst="rect">
             <a:avLst/>
@@ -3664,7 +3669,7 @@
       </p:pic>
       <p:pic>
         <p:nvPicPr>
-          <p:cNvPr id="17" name="Picture 16"/>
+          <p:cNvPr id="2" name="Picture 1"/>
           <p:cNvPicPr>
             <a:picLocks noChangeAspect="1"/>
           </p:cNvPicPr>
@@ -3684,8 +3689,8 @@
         </p:blipFill>
         <p:spPr>
           <a:xfrm>
-            <a:off x="683568" y="498348"/>
-            <a:ext cx="8460432" cy="5423137"/>
+            <a:off x="623236" y="40641"/>
+            <a:ext cx="8500442" cy="5457284"/>
           </a:xfrm>
           <a:prstGeom prst="rect">
             <a:avLst/>
